--- a/TP3/Presentacion-TP-3.pptx
+++ b/TP3/Presentacion-TP-3.pptx
@@ -260,7 +260,7 @@
           <a:p>
             <a:fld id="{2DA4B3BE-DFDC-4E62-A91B-B0D9023CDA0D}" type="datetimeFigureOut">
               <a:rPr lang="es-AR" smtClean="0"/>
-              <a:t>20/8/2023</a:t>
+              <a:t>21/9/2023</a:t>
             </a:fld>
             <a:endParaRPr lang="es-AR"/>
           </a:p>
@@ -430,7 +430,7 @@
           <a:p>
             <a:fld id="{2DA4B3BE-DFDC-4E62-A91B-B0D9023CDA0D}" type="datetimeFigureOut">
               <a:rPr lang="es-AR" smtClean="0"/>
-              <a:t>20/8/2023</a:t>
+              <a:t>21/9/2023</a:t>
             </a:fld>
             <a:endParaRPr lang="es-AR"/>
           </a:p>
@@ -610,7 +610,7 @@
           <a:p>
             <a:fld id="{2DA4B3BE-DFDC-4E62-A91B-B0D9023CDA0D}" type="datetimeFigureOut">
               <a:rPr lang="es-AR" smtClean="0"/>
-              <a:t>20/8/2023</a:t>
+              <a:t>21/9/2023</a:t>
             </a:fld>
             <a:endParaRPr lang="es-AR"/>
           </a:p>
@@ -780,7 +780,7 @@
           <a:p>
             <a:fld id="{2DA4B3BE-DFDC-4E62-A91B-B0D9023CDA0D}" type="datetimeFigureOut">
               <a:rPr lang="es-AR" smtClean="0"/>
-              <a:t>20/8/2023</a:t>
+              <a:t>21/9/2023</a:t>
             </a:fld>
             <a:endParaRPr lang="es-AR"/>
           </a:p>
@@ -1026,7 +1026,7 @@
           <a:p>
             <a:fld id="{2DA4B3BE-DFDC-4E62-A91B-B0D9023CDA0D}" type="datetimeFigureOut">
               <a:rPr lang="es-AR" smtClean="0"/>
-              <a:t>20/8/2023</a:t>
+              <a:t>21/9/2023</a:t>
             </a:fld>
             <a:endParaRPr lang="es-AR"/>
           </a:p>
@@ -1258,7 +1258,7 @@
           <a:p>
             <a:fld id="{2DA4B3BE-DFDC-4E62-A91B-B0D9023CDA0D}" type="datetimeFigureOut">
               <a:rPr lang="es-AR" smtClean="0"/>
-              <a:t>20/8/2023</a:t>
+              <a:t>21/9/2023</a:t>
             </a:fld>
             <a:endParaRPr lang="es-AR"/>
           </a:p>
@@ -1625,7 +1625,7 @@
           <a:p>
             <a:fld id="{2DA4B3BE-DFDC-4E62-A91B-B0D9023CDA0D}" type="datetimeFigureOut">
               <a:rPr lang="es-AR" smtClean="0"/>
-              <a:t>20/8/2023</a:t>
+              <a:t>21/9/2023</a:t>
             </a:fld>
             <a:endParaRPr lang="es-AR"/>
           </a:p>
@@ -1743,7 +1743,7 @@
           <a:p>
             <a:fld id="{2DA4B3BE-DFDC-4E62-A91B-B0D9023CDA0D}" type="datetimeFigureOut">
               <a:rPr lang="es-AR" smtClean="0"/>
-              <a:t>20/8/2023</a:t>
+              <a:t>21/9/2023</a:t>
             </a:fld>
             <a:endParaRPr lang="es-AR"/>
           </a:p>
@@ -1838,7 +1838,7 @@
           <a:p>
             <a:fld id="{2DA4B3BE-DFDC-4E62-A91B-B0D9023CDA0D}" type="datetimeFigureOut">
               <a:rPr lang="es-AR" smtClean="0"/>
-              <a:t>20/8/2023</a:t>
+              <a:t>21/9/2023</a:t>
             </a:fld>
             <a:endParaRPr lang="es-AR"/>
           </a:p>
@@ -2115,7 +2115,7 @@
           <a:p>
             <a:fld id="{2DA4B3BE-DFDC-4E62-A91B-B0D9023CDA0D}" type="datetimeFigureOut">
               <a:rPr lang="es-AR" smtClean="0"/>
-              <a:t>20/8/2023</a:t>
+              <a:t>21/9/2023</a:t>
             </a:fld>
             <a:endParaRPr lang="es-AR"/>
           </a:p>
@@ -2368,7 +2368,7 @@
           <a:p>
             <a:fld id="{2DA4B3BE-DFDC-4E62-A91B-B0D9023CDA0D}" type="datetimeFigureOut">
               <a:rPr lang="es-AR" smtClean="0"/>
-              <a:t>20/8/2023</a:t>
+              <a:t>21/9/2023</a:t>
             </a:fld>
             <a:endParaRPr lang="es-AR"/>
           </a:p>
@@ -2581,7 +2581,7 @@
           <a:p>
             <a:fld id="{2DA4B3BE-DFDC-4E62-A91B-B0D9023CDA0D}" type="datetimeFigureOut">
               <a:rPr lang="es-AR" smtClean="0"/>
-              <a:t>20/8/2023</a:t>
+              <a:t>21/9/2023</a:t>
             </a:fld>
             <a:endParaRPr lang="es-AR"/>
           </a:p>
@@ -3046,7 +3046,7 @@
           <a:graphicData uri="http://schemas.openxmlformats.org/presentationml/2006/ole">
             <mc:AlternateContent xmlns:mc="http://schemas.openxmlformats.org/markup-compatibility/2006">
               <mc:Choice xmlns:v="urn:schemas-microsoft-com:vml" Requires="v">
-                <p:oleObj spid="_x0000_s1096" name="Ecuación" r:id="rId3" imgW="1307880" imgH="444240" progId="Equation.3">
+                <p:oleObj spid="_x0000_s1098" name="Ecuación" r:id="rId3" imgW="1307880" imgH="444240" progId="Equation.3">
                   <p:embed/>
                 </p:oleObj>
               </mc:Choice>
@@ -3115,7 +3115,7 @@
           <a:graphicData uri="http://schemas.openxmlformats.org/presentationml/2006/ole">
             <mc:AlternateContent xmlns:mc="http://schemas.openxmlformats.org/markup-compatibility/2006">
               <mc:Choice xmlns:v="urn:schemas-microsoft-com:vml" Requires="v">
-                <p:oleObj spid="_x0000_s1097" name="Ecuación" r:id="rId5" imgW="1371600" imgH="444240" progId="Equation.3">
+                <p:oleObj spid="_x0000_s1099" name="Ecuación" r:id="rId5" imgW="1371600" imgH="444240" progId="Equation.3">
                   <p:embed/>
                 </p:oleObj>
               </mc:Choice>
@@ -6520,8 +6520,8 @@
         </p:nvSpPr>
         <p:spPr>
           <a:xfrm>
-            <a:off x="138545" y="109072"/>
-            <a:ext cx="11859491" cy="2003625"/>
+            <a:off x="354126" y="872129"/>
+            <a:ext cx="10812637" cy="1200329"/>
           </a:xfrm>
           <a:prstGeom prst="rect">
             <a:avLst/>
@@ -6533,164 +6533,53 @@
           </a:bodyPr>
           <a:lstStyle/>
           <a:p>
-            <a:pPr>
-              <a:lnSpc>
-                <a:spcPct val="115000"/>
-              </a:lnSpc>
-              <a:spcAft>
-                <a:spcPts val="0"/>
-              </a:spcAft>
+            <a:pPr algn="just"/>
+            <a:r>
+              <a:rPr lang="es-AR" sz="2400" dirty="0" smtClean="0"/>
+              <a:t>Obtener una señal cualquiera, triangular, cuadrada o incluso algún sonido o tono.</a:t>
+            </a:r>
+          </a:p>
+          <a:p>
+            <a:pPr marL="342900" indent="-342900" algn="just">
+              <a:buAutoNum type="arabicParenR"/>
             </a:pPr>
             <a:r>
-              <a:rPr lang="es-ES" u="sng" dirty="0">
-                <a:latin typeface="Calibri" panose="020F0502020204030204" pitchFamily="34" charset="0"/>
-                <a:ea typeface="Calibri" panose="020F0502020204030204" pitchFamily="34" charset="0"/>
-                <a:cs typeface="Times New Roman" panose="02020603050405020304" pitchFamily="18" charset="0"/>
-              </a:rPr>
-              <a:t>Ejercitación:</a:t>
-            </a:r>
-            <a:endParaRPr lang="es-AR" dirty="0">
-              <a:latin typeface="Calibri" panose="020F0502020204030204" pitchFamily="34" charset="0"/>
-              <a:ea typeface="Calibri" panose="020F0502020204030204" pitchFamily="34" charset="0"/>
-              <a:cs typeface="Times New Roman" panose="02020603050405020304" pitchFamily="18" charset="0"/>
-            </a:endParaRPr>
-          </a:p>
-          <a:p>
-            <a:pPr>
-              <a:lnSpc>
-                <a:spcPct val="115000"/>
-              </a:lnSpc>
-              <a:spcAft>
-                <a:spcPts val="0"/>
-              </a:spcAft>
+              <a:rPr lang="es-AR" sz="2400" dirty="0" smtClean="0"/>
+              <a:t>Graficarla </a:t>
+            </a:r>
+            <a:r>
+              <a:rPr lang="es-AR" sz="2400" dirty="0"/>
+              <a:t>en el dominio del tiempo. </a:t>
+            </a:r>
+            <a:endParaRPr lang="es-AR" sz="2400" dirty="0" smtClean="0"/>
+          </a:p>
+          <a:p>
+            <a:pPr marL="342900" indent="-342900" algn="just">
+              <a:buAutoNum type="arabicParenR"/>
             </a:pPr>
             <a:r>
-              <a:rPr lang="es-ES" dirty="0">
-                <a:latin typeface="Calibri" panose="020F0502020204030204" pitchFamily="34" charset="0"/>
-                <a:ea typeface="Calibri" panose="020F0502020204030204" pitchFamily="34" charset="0"/>
-                <a:cs typeface="Times New Roman" panose="02020603050405020304" pitchFamily="18" charset="0"/>
-              </a:rPr>
-              <a:t> </a:t>
-            </a:r>
-            <a:endParaRPr lang="es-AR" dirty="0">
-              <a:latin typeface="Calibri" panose="020F0502020204030204" pitchFamily="34" charset="0"/>
-              <a:ea typeface="Calibri" panose="020F0502020204030204" pitchFamily="34" charset="0"/>
-              <a:cs typeface="Times New Roman" panose="02020603050405020304" pitchFamily="18" charset="0"/>
-            </a:endParaRPr>
-          </a:p>
-          <a:p>
-            <a:pPr>
-              <a:lnSpc>
-                <a:spcPct val="115000"/>
-              </a:lnSpc>
-              <a:spcAft>
-                <a:spcPts val="0"/>
-              </a:spcAft>
-            </a:pPr>
-            <a:r>
-              <a:rPr lang="es-ES" dirty="0">
-                <a:latin typeface="Calibri" panose="020F0502020204030204" pitchFamily="34" charset="0"/>
-                <a:ea typeface="Calibri" panose="020F0502020204030204" pitchFamily="34" charset="0"/>
-                <a:cs typeface="Times New Roman" panose="02020603050405020304" pitchFamily="18" charset="0"/>
-              </a:rPr>
-              <a:t>Aplicar los scripts </a:t>
-            </a:r>
-            <a:r>
-              <a:rPr lang="es-ES" i="1" dirty="0">
-                <a:solidFill>
-                  <a:srgbClr val="4F81BD"/>
-                </a:solidFill>
-                <a:latin typeface="Calibri" panose="020F0502020204030204" pitchFamily="34" charset="0"/>
-                <a:ea typeface="Calibri" panose="020F0502020204030204" pitchFamily="34" charset="0"/>
-                <a:cs typeface="Times New Roman" panose="02020603050405020304" pitchFamily="18" charset="0"/>
-              </a:rPr>
-              <a:t>musica4.m</a:t>
-            </a:r>
-            <a:r>
-              <a:rPr lang="es-ES" dirty="0">
-                <a:latin typeface="Calibri" panose="020F0502020204030204" pitchFamily="34" charset="0"/>
-                <a:ea typeface="Calibri" panose="020F0502020204030204" pitchFamily="34" charset="0"/>
-                <a:cs typeface="Times New Roman" panose="02020603050405020304" pitchFamily="18" charset="0"/>
-              </a:rPr>
-              <a:t> y </a:t>
-            </a:r>
-            <a:r>
-              <a:rPr lang="es-ES" i="1" dirty="0" err="1">
-                <a:solidFill>
-                  <a:srgbClr val="4F81BD"/>
-                </a:solidFill>
-                <a:latin typeface="Calibri" panose="020F0502020204030204" pitchFamily="34" charset="0"/>
-                <a:ea typeface="Calibri" panose="020F0502020204030204" pitchFamily="34" charset="0"/>
-                <a:cs typeface="Times New Roman" panose="02020603050405020304" pitchFamily="18" charset="0"/>
-              </a:rPr>
-              <a:t>seriefumus.m</a:t>
-            </a:r>
-            <a:r>
-              <a:rPr lang="es-ES" dirty="0">
-                <a:latin typeface="Calibri" panose="020F0502020204030204" pitchFamily="34" charset="0"/>
-                <a:ea typeface="Calibri" panose="020F0502020204030204" pitchFamily="34" charset="0"/>
-                <a:cs typeface="Times New Roman" panose="02020603050405020304" pitchFamily="18" charset="0"/>
-              </a:rPr>
-              <a:t> para obtener señales con la síntesis de 7 componentes de las notas musicales: </a:t>
-            </a:r>
-            <a:r>
-              <a:rPr lang="es-ES" dirty="0" err="1">
-                <a:latin typeface="Calibri" panose="020F0502020204030204" pitchFamily="34" charset="0"/>
-                <a:ea typeface="Calibri" panose="020F0502020204030204" pitchFamily="34" charset="0"/>
-                <a:cs typeface="Times New Roman" panose="02020603050405020304" pitchFamily="18" charset="0"/>
-              </a:rPr>
-              <a:t>a,b,cs,d,e</a:t>
-            </a:r>
-            <a:r>
-              <a:rPr lang="es-ES" dirty="0">
-                <a:latin typeface="Calibri" panose="020F0502020204030204" pitchFamily="34" charset="0"/>
-                <a:ea typeface="Calibri" panose="020F0502020204030204" pitchFamily="34" charset="0"/>
-                <a:cs typeface="Times New Roman" panose="02020603050405020304" pitchFamily="18" charset="0"/>
-              </a:rPr>
-              <a:t> y fs. Modificar el script </a:t>
-            </a:r>
-            <a:r>
-              <a:rPr lang="es-ES" i="1" dirty="0">
-                <a:solidFill>
-                  <a:srgbClr val="4F81BD"/>
-                </a:solidFill>
-                <a:latin typeface="Calibri" panose="020F0502020204030204" pitchFamily="34" charset="0"/>
-                <a:ea typeface="Calibri" panose="020F0502020204030204" pitchFamily="34" charset="0"/>
-                <a:cs typeface="Times New Roman" panose="02020603050405020304" pitchFamily="18" charset="0"/>
-              </a:rPr>
-              <a:t>musica4.m</a:t>
-            </a:r>
-            <a:r>
-              <a:rPr lang="es-ES" dirty="0">
-                <a:latin typeface="Calibri" panose="020F0502020204030204" pitchFamily="34" charset="0"/>
-                <a:ea typeface="Calibri" panose="020F0502020204030204" pitchFamily="34" charset="0"/>
-                <a:cs typeface="Times New Roman" panose="02020603050405020304" pitchFamily="18" charset="0"/>
-              </a:rPr>
-              <a:t> para obtener una figura con la nota musical original y la nota sintetizada superpuesta. Presentar en la carpeta los resultados para cada nota musical.  Hacer la síntesis con 14 componentes y observar si hay diferencias significativas.  Probar el sonido de las notas sintetizadas con el script </a:t>
-            </a:r>
-            <a:r>
-              <a:rPr lang="es-ES" i="1" dirty="0">
-                <a:solidFill>
-                  <a:srgbClr val="4F81BD"/>
-                </a:solidFill>
-                <a:latin typeface="Calibri" panose="020F0502020204030204" pitchFamily="34" charset="0"/>
-                <a:ea typeface="Calibri" panose="020F0502020204030204" pitchFamily="34" charset="0"/>
-                <a:cs typeface="Times New Roman" panose="02020603050405020304" pitchFamily="18" charset="0"/>
-              </a:rPr>
-              <a:t>nota3.m</a:t>
-            </a:r>
-            <a:endParaRPr lang="es-AR" dirty="0">
-              <a:latin typeface="Calibri" panose="020F0502020204030204" pitchFamily="34" charset="0"/>
-              <a:ea typeface="Calibri" panose="020F0502020204030204" pitchFamily="34" charset="0"/>
-              <a:cs typeface="Times New Roman" panose="02020603050405020304" pitchFamily="18" charset="0"/>
-            </a:endParaRPr>
+              <a:rPr lang="es-AR" sz="2400" dirty="0" smtClean="0"/>
+              <a:t>Aplicar la </a:t>
+            </a:r>
+            <a:r>
+              <a:rPr lang="es-AR" sz="2400" dirty="0"/>
+              <a:t>función serief88.m </a:t>
+            </a:r>
+            <a:r>
+              <a:rPr lang="es-AR" sz="2400" dirty="0" smtClean="0"/>
+              <a:t>Presentar </a:t>
+            </a:r>
+            <a:r>
+              <a:rPr lang="es-AR" sz="2400" dirty="0"/>
+              <a:t>gráficos.</a:t>
+            </a:r>
           </a:p>
         </p:txBody>
       </p:sp>
     </p:spTree>
     <p:extLst>
       <p:ext uri="{BB962C8B-B14F-4D97-AF65-F5344CB8AC3E}">
-        <p14:creationId xmlns:p14="http://schemas.microsoft.com/office/powerpoint/2010/main" val="2431905822"/>
+        <p14:creationId xmlns:p14="http://schemas.microsoft.com/office/powerpoint/2010/main" val="801658538"/>
       </p:ext>
     </p:extLst>
   </p:cSld>

--- a/TP3/Presentacion-TP-3.pptx
+++ b/TP3/Presentacion-TP-3.pptx
@@ -260,7 +260,7 @@
           <a:p>
             <a:fld id="{2DA4B3BE-DFDC-4E62-A91B-B0D9023CDA0D}" type="datetimeFigureOut">
               <a:rPr lang="es-AR" smtClean="0"/>
-              <a:t>21/9/2023</a:t>
+              <a:t>25/9/2023</a:t>
             </a:fld>
             <a:endParaRPr lang="es-AR"/>
           </a:p>
@@ -430,7 +430,7 @@
           <a:p>
             <a:fld id="{2DA4B3BE-DFDC-4E62-A91B-B0D9023CDA0D}" type="datetimeFigureOut">
               <a:rPr lang="es-AR" smtClean="0"/>
-              <a:t>21/9/2023</a:t>
+              <a:t>25/9/2023</a:t>
             </a:fld>
             <a:endParaRPr lang="es-AR"/>
           </a:p>
@@ -610,7 +610,7 @@
           <a:p>
             <a:fld id="{2DA4B3BE-DFDC-4E62-A91B-B0D9023CDA0D}" type="datetimeFigureOut">
               <a:rPr lang="es-AR" smtClean="0"/>
-              <a:t>21/9/2023</a:t>
+              <a:t>25/9/2023</a:t>
             </a:fld>
             <a:endParaRPr lang="es-AR"/>
           </a:p>
@@ -780,7 +780,7 @@
           <a:p>
             <a:fld id="{2DA4B3BE-DFDC-4E62-A91B-B0D9023CDA0D}" type="datetimeFigureOut">
               <a:rPr lang="es-AR" smtClean="0"/>
-              <a:t>21/9/2023</a:t>
+              <a:t>25/9/2023</a:t>
             </a:fld>
             <a:endParaRPr lang="es-AR"/>
           </a:p>
@@ -1026,7 +1026,7 @@
           <a:p>
             <a:fld id="{2DA4B3BE-DFDC-4E62-A91B-B0D9023CDA0D}" type="datetimeFigureOut">
               <a:rPr lang="es-AR" smtClean="0"/>
-              <a:t>21/9/2023</a:t>
+              <a:t>25/9/2023</a:t>
             </a:fld>
             <a:endParaRPr lang="es-AR"/>
           </a:p>
@@ -1258,7 +1258,7 @@
           <a:p>
             <a:fld id="{2DA4B3BE-DFDC-4E62-A91B-B0D9023CDA0D}" type="datetimeFigureOut">
               <a:rPr lang="es-AR" smtClean="0"/>
-              <a:t>21/9/2023</a:t>
+              <a:t>25/9/2023</a:t>
             </a:fld>
             <a:endParaRPr lang="es-AR"/>
           </a:p>
@@ -1625,7 +1625,7 @@
           <a:p>
             <a:fld id="{2DA4B3BE-DFDC-4E62-A91B-B0D9023CDA0D}" type="datetimeFigureOut">
               <a:rPr lang="es-AR" smtClean="0"/>
-              <a:t>21/9/2023</a:t>
+              <a:t>25/9/2023</a:t>
             </a:fld>
             <a:endParaRPr lang="es-AR"/>
           </a:p>
@@ -1743,7 +1743,7 @@
           <a:p>
             <a:fld id="{2DA4B3BE-DFDC-4E62-A91B-B0D9023CDA0D}" type="datetimeFigureOut">
               <a:rPr lang="es-AR" smtClean="0"/>
-              <a:t>21/9/2023</a:t>
+              <a:t>25/9/2023</a:t>
             </a:fld>
             <a:endParaRPr lang="es-AR"/>
           </a:p>
@@ -1838,7 +1838,7 @@
           <a:p>
             <a:fld id="{2DA4B3BE-DFDC-4E62-A91B-B0D9023CDA0D}" type="datetimeFigureOut">
               <a:rPr lang="es-AR" smtClean="0"/>
-              <a:t>21/9/2023</a:t>
+              <a:t>25/9/2023</a:t>
             </a:fld>
             <a:endParaRPr lang="es-AR"/>
           </a:p>
@@ -2115,7 +2115,7 @@
           <a:p>
             <a:fld id="{2DA4B3BE-DFDC-4E62-A91B-B0D9023CDA0D}" type="datetimeFigureOut">
               <a:rPr lang="es-AR" smtClean="0"/>
-              <a:t>21/9/2023</a:t>
+              <a:t>25/9/2023</a:t>
             </a:fld>
             <a:endParaRPr lang="es-AR"/>
           </a:p>
@@ -2368,7 +2368,7 @@
           <a:p>
             <a:fld id="{2DA4B3BE-DFDC-4E62-A91B-B0D9023CDA0D}" type="datetimeFigureOut">
               <a:rPr lang="es-AR" smtClean="0"/>
-              <a:t>21/9/2023</a:t>
+              <a:t>25/9/2023</a:t>
             </a:fld>
             <a:endParaRPr lang="es-AR"/>
           </a:p>
@@ -2581,7 +2581,7 @@
           <a:p>
             <a:fld id="{2DA4B3BE-DFDC-4E62-A91B-B0D9023CDA0D}" type="datetimeFigureOut">
               <a:rPr lang="es-AR" smtClean="0"/>
-              <a:t>21/9/2023</a:t>
+              <a:t>25/9/2023</a:t>
             </a:fld>
             <a:endParaRPr lang="es-AR"/>
           </a:p>
@@ -3046,7 +3046,7 @@
           <a:graphicData uri="http://schemas.openxmlformats.org/presentationml/2006/ole">
             <mc:AlternateContent xmlns:mc="http://schemas.openxmlformats.org/markup-compatibility/2006">
               <mc:Choice xmlns:v="urn:schemas-microsoft-com:vml" Requires="v">
-                <p:oleObj spid="_x0000_s1098" name="Ecuación" r:id="rId3" imgW="1307880" imgH="444240" progId="Equation.3">
+                <p:oleObj spid="_x0000_s1102" name="Ecuación" r:id="rId3" imgW="1307880" imgH="444240" progId="Equation.3">
                   <p:embed/>
                 </p:oleObj>
               </mc:Choice>
@@ -3115,7 +3115,7 @@
           <a:graphicData uri="http://schemas.openxmlformats.org/presentationml/2006/ole">
             <mc:AlternateContent xmlns:mc="http://schemas.openxmlformats.org/markup-compatibility/2006">
               <mc:Choice xmlns:v="urn:schemas-microsoft-com:vml" Requires="v">
-                <p:oleObj spid="_x0000_s1099" name="Ecuación" r:id="rId5" imgW="1371600" imgH="444240" progId="Equation.3">
+                <p:oleObj spid="_x0000_s1103" name="Ecuación" r:id="rId5" imgW="1371600" imgH="444240" progId="Equation.3">
                   <p:embed/>
                 </p:oleObj>
               </mc:Choice>
@@ -6520,7 +6520,7 @@
         </p:nvSpPr>
         <p:spPr>
           <a:xfrm>
-            <a:off x="354126" y="872129"/>
+            <a:off x="326417" y="1454020"/>
             <a:ext cx="10812637" cy="1200329"/>
           </a:xfrm>
           <a:prstGeom prst="rect">
@@ -6562,8 +6562,12 @@
               <a:t>Aplicar la </a:t>
             </a:r>
             <a:r>
+              <a:rPr lang="es-AR" sz="2400" dirty="0" smtClean="0"/>
+              <a:t>función </a:t>
+            </a:r>
+            <a:r>
               <a:rPr lang="es-AR" sz="2400" dirty="0"/>
-              <a:t>función serief88.m </a:t>
+              <a:t>serief88.m </a:t>
             </a:r>
             <a:r>
               <a:rPr lang="es-AR" sz="2400" dirty="0" smtClean="0"/>

--- a/TP3/Presentacion-TP-3.pptx
+++ b/TP3/Presentacion-TP-3.pptx
@@ -260,7 +260,7 @@
           <a:p>
             <a:fld id="{2DA4B3BE-DFDC-4E62-A91B-B0D9023CDA0D}" type="datetimeFigureOut">
               <a:rPr lang="es-AR" smtClean="0"/>
-              <a:t>25/9/2023</a:t>
+              <a:t>2/9/2024</a:t>
             </a:fld>
             <a:endParaRPr lang="es-AR"/>
           </a:p>
@@ -430,7 +430,7 @@
           <a:p>
             <a:fld id="{2DA4B3BE-DFDC-4E62-A91B-B0D9023CDA0D}" type="datetimeFigureOut">
               <a:rPr lang="es-AR" smtClean="0"/>
-              <a:t>25/9/2023</a:t>
+              <a:t>2/9/2024</a:t>
             </a:fld>
             <a:endParaRPr lang="es-AR"/>
           </a:p>
@@ -610,7 +610,7 @@
           <a:p>
             <a:fld id="{2DA4B3BE-DFDC-4E62-A91B-B0D9023CDA0D}" type="datetimeFigureOut">
               <a:rPr lang="es-AR" smtClean="0"/>
-              <a:t>25/9/2023</a:t>
+              <a:t>2/9/2024</a:t>
             </a:fld>
             <a:endParaRPr lang="es-AR"/>
           </a:p>
@@ -780,7 +780,7 @@
           <a:p>
             <a:fld id="{2DA4B3BE-DFDC-4E62-A91B-B0D9023CDA0D}" type="datetimeFigureOut">
               <a:rPr lang="es-AR" smtClean="0"/>
-              <a:t>25/9/2023</a:t>
+              <a:t>2/9/2024</a:t>
             </a:fld>
             <a:endParaRPr lang="es-AR"/>
           </a:p>
@@ -1026,7 +1026,7 @@
           <a:p>
             <a:fld id="{2DA4B3BE-DFDC-4E62-A91B-B0D9023CDA0D}" type="datetimeFigureOut">
               <a:rPr lang="es-AR" smtClean="0"/>
-              <a:t>25/9/2023</a:t>
+              <a:t>2/9/2024</a:t>
             </a:fld>
             <a:endParaRPr lang="es-AR"/>
           </a:p>
@@ -1258,7 +1258,7 @@
           <a:p>
             <a:fld id="{2DA4B3BE-DFDC-4E62-A91B-B0D9023CDA0D}" type="datetimeFigureOut">
               <a:rPr lang="es-AR" smtClean="0"/>
-              <a:t>25/9/2023</a:t>
+              <a:t>2/9/2024</a:t>
             </a:fld>
             <a:endParaRPr lang="es-AR"/>
           </a:p>
@@ -1625,7 +1625,7 @@
           <a:p>
             <a:fld id="{2DA4B3BE-DFDC-4E62-A91B-B0D9023CDA0D}" type="datetimeFigureOut">
               <a:rPr lang="es-AR" smtClean="0"/>
-              <a:t>25/9/2023</a:t>
+              <a:t>2/9/2024</a:t>
             </a:fld>
             <a:endParaRPr lang="es-AR"/>
           </a:p>
@@ -1743,7 +1743,7 @@
           <a:p>
             <a:fld id="{2DA4B3BE-DFDC-4E62-A91B-B0D9023CDA0D}" type="datetimeFigureOut">
               <a:rPr lang="es-AR" smtClean="0"/>
-              <a:t>25/9/2023</a:t>
+              <a:t>2/9/2024</a:t>
             </a:fld>
             <a:endParaRPr lang="es-AR"/>
           </a:p>
@@ -1838,7 +1838,7 @@
           <a:p>
             <a:fld id="{2DA4B3BE-DFDC-4E62-A91B-B0D9023CDA0D}" type="datetimeFigureOut">
               <a:rPr lang="es-AR" smtClean="0"/>
-              <a:t>25/9/2023</a:t>
+              <a:t>2/9/2024</a:t>
             </a:fld>
             <a:endParaRPr lang="es-AR"/>
           </a:p>
@@ -2115,7 +2115,7 @@
           <a:p>
             <a:fld id="{2DA4B3BE-DFDC-4E62-A91B-B0D9023CDA0D}" type="datetimeFigureOut">
               <a:rPr lang="es-AR" smtClean="0"/>
-              <a:t>25/9/2023</a:t>
+              <a:t>2/9/2024</a:t>
             </a:fld>
             <a:endParaRPr lang="es-AR"/>
           </a:p>
@@ -2368,7 +2368,7 @@
           <a:p>
             <a:fld id="{2DA4B3BE-DFDC-4E62-A91B-B0D9023CDA0D}" type="datetimeFigureOut">
               <a:rPr lang="es-AR" smtClean="0"/>
-              <a:t>25/9/2023</a:t>
+              <a:t>2/9/2024</a:t>
             </a:fld>
             <a:endParaRPr lang="es-AR"/>
           </a:p>
@@ -2581,7 +2581,7 @@
           <a:p>
             <a:fld id="{2DA4B3BE-DFDC-4E62-A91B-B0D9023CDA0D}" type="datetimeFigureOut">
               <a:rPr lang="es-AR" smtClean="0"/>
-              <a:t>25/9/2023</a:t>
+              <a:t>2/9/2024</a:t>
             </a:fld>
             <a:endParaRPr lang="es-AR"/>
           </a:p>
@@ -3046,7 +3046,7 @@
           <a:graphicData uri="http://schemas.openxmlformats.org/presentationml/2006/ole">
             <mc:AlternateContent xmlns:mc="http://schemas.openxmlformats.org/markup-compatibility/2006">
               <mc:Choice xmlns:v="urn:schemas-microsoft-com:vml" Requires="v">
-                <p:oleObj spid="_x0000_s1102" name="Ecuación" r:id="rId3" imgW="1307880" imgH="444240" progId="Equation.3">
+                <p:oleObj spid="_x0000_s1106" name="Ecuación" r:id="rId3" imgW="1307880" imgH="444240" progId="Equation.3">
                   <p:embed/>
                 </p:oleObj>
               </mc:Choice>
@@ -3115,7 +3115,7 @@
           <a:graphicData uri="http://schemas.openxmlformats.org/presentationml/2006/ole">
             <mc:AlternateContent xmlns:mc="http://schemas.openxmlformats.org/markup-compatibility/2006">
               <mc:Choice xmlns:v="urn:schemas-microsoft-com:vml" Requires="v">
-                <p:oleObj spid="_x0000_s1103" name="Ecuación" r:id="rId5" imgW="1371600" imgH="444240" progId="Equation.3">
+                <p:oleObj spid="_x0000_s1107" name="Ecuación" r:id="rId5" imgW="1371600" imgH="444240" progId="Equation.3">
                   <p:embed/>
                 </p:oleObj>
               </mc:Choice>
@@ -3311,6 +3311,13 @@
   <p:clrMapOvr>
     <a:masterClrMapping/>
   </p:clrMapOvr>
+  <p:timing>
+    <p:tnLst>
+      <p:par>
+        <p:cTn id="1" dur="indefinite" restart="never" nodeType="tmRoot"/>
+      </p:par>
+    </p:tnLst>
+  </p:timing>
 </p:sld>
 </file>
 
@@ -6559,11 +6566,7 @@
             </a:pPr>
             <a:r>
               <a:rPr lang="es-AR" sz="2400" dirty="0" smtClean="0"/>
-              <a:t>Aplicar la </a:t>
-            </a:r>
-            <a:r>
-              <a:rPr lang="es-AR" sz="2400" dirty="0" smtClean="0"/>
-              <a:t>función </a:t>
+              <a:t>Aplicar la función </a:t>
             </a:r>
             <a:r>
               <a:rPr lang="es-AR" sz="2400" dirty="0"/>
@@ -7267,6 +7270,13 @@
   <p:clrMapOvr>
     <a:masterClrMapping/>
   </p:clrMapOvr>
+  <p:timing>
+    <p:tnLst>
+      <p:par>
+        <p:cTn id="1" dur="indefinite" restart="never" nodeType="tmRoot"/>
+      </p:par>
+    </p:tnLst>
+  </p:timing>
 </p:sld>
 </file>
 
@@ -8033,6 +8043,13 @@
   <p:clrMapOvr>
     <a:masterClrMapping/>
   </p:clrMapOvr>
+  <p:timing>
+    <p:tnLst>
+      <p:par>
+        <p:cTn id="1" dur="indefinite" restart="never" nodeType="tmRoot"/>
+      </p:par>
+    </p:tnLst>
+  </p:timing>
 </p:sld>
 </file>
 
@@ -8836,6 +8853,13 @@
   <p:clrMapOvr>
     <a:masterClrMapping/>
   </p:clrMapOvr>
+  <p:timing>
+    <p:tnLst>
+      <p:par>
+        <p:cTn id="1" dur="indefinite" restart="never" nodeType="tmRoot"/>
+      </p:par>
+    </p:tnLst>
+  </p:timing>
 </p:sld>
 </file>
 
@@ -9357,6 +9381,13 @@
   <p:clrMapOvr>
     <a:masterClrMapping/>
   </p:clrMapOvr>
+  <p:timing>
+    <p:tnLst>
+      <p:par>
+        <p:cTn id="1" dur="indefinite" restart="never" nodeType="tmRoot"/>
+      </p:par>
+    </p:tnLst>
+  </p:timing>
 </p:sld>
 </file>
 
@@ -10004,6 +10035,13 @@
   <p:clrMapOvr>
     <a:masterClrMapping/>
   </p:clrMapOvr>
+  <p:timing>
+    <p:tnLst>
+      <p:par>
+        <p:cTn id="1" dur="indefinite" restart="never" nodeType="tmRoot"/>
+      </p:par>
+    </p:tnLst>
+  </p:timing>
 </p:sld>
 </file>
 
@@ -10156,6 +10194,13 @@
   <p:clrMapOvr>
     <a:masterClrMapping/>
   </p:clrMapOvr>
+  <p:timing>
+    <p:tnLst>
+      <p:par>
+        <p:cTn id="1" dur="indefinite" restart="never" nodeType="tmRoot"/>
+      </p:par>
+    </p:tnLst>
+  </p:timing>
 </p:sld>
 </file>
 
@@ -10733,7 +10778,7 @@
         </p:blipFill>
         <p:spPr>
           <a:xfrm>
-            <a:off x="6844146" y="1654463"/>
+            <a:off x="6844146" y="1681018"/>
             <a:ext cx="4694094" cy="1719776"/>
           </a:xfrm>
           <a:prstGeom prst="rect">
